--- a/p1_pres.pptx
+++ b/p1_pres.pptx
@@ -106,6 +106,11 @@
       </a:defRPr>
     </a:lvl9pPr>
   </p:defaultTextStyle>
+  <p:extLst>
+    <p:ext uri="{EFAFB233-063F-42B5-8137-9DF3F51BA10A}">
+      <p15:sldGuideLst xmlns:p15="http://schemas.microsoft.com/office/powerpoint/2012/main"/>
+    </p:ext>
+  </p:extLst>
 </p:presentation>
 </file>
 
@@ -7850,14 +7855,45 @@
             <p:ph type="subTitle" idx="1"/>
           </p:nvPr>
         </p:nvSpPr>
-        <p:spPr/>
-        <p:txBody>
-          <a:bodyPr/>
+        <p:spPr>
+          <a:xfrm>
+            <a:off x="680322" y="4394039"/>
+            <a:ext cx="8144134" cy="1788647"/>
+          </a:xfrm>
+        </p:spPr>
+        <p:txBody>
+          <a:bodyPr>
+            <a:normAutofit/>
+          </a:bodyPr>
           <a:lstStyle/>
           <a:p>
             <a:r>
               <a:rPr lang="en-US" dirty="0" smtClean="0"/>
-              <a:t>A CLI Application that allows a user to make purchases at the music store using a user account. The user can create/log into an account, view the catalog, return rentals, </a:t>
+              <a:t>A CLI Application that allows a user to make purchases at the music store using a user </a:t>
+            </a:r>
+            <a:r>
+              <a:rPr lang="en-US" dirty="0" smtClean="0"/>
+              <a:t>account.</a:t>
+            </a:r>
+          </a:p>
+          <a:p>
+            <a:r>
+              <a:rPr lang="en-US" dirty="0" smtClean="0"/>
+              <a:t>The </a:t>
+            </a:r>
+            <a:r>
+              <a:rPr lang="en-US" dirty="0" smtClean="0"/>
+              <a:t>user can create/log into an account, view the catalog, return rentals</a:t>
+            </a:r>
+            <a:r>
+              <a:rPr lang="en-US" dirty="0" smtClean="0"/>
+              <a:t>, and change account settings.</a:t>
+            </a:r>
+          </a:p>
+          <a:p>
+            <a:r>
+              <a:rPr lang="en-US" dirty="0" smtClean="0"/>
+              <a:t>Admin users have access to more data and features. </a:t>
             </a:r>
             <a:endParaRPr lang="en-US" dirty="0"/>
           </a:p>
